--- a/Blatt03/Aufgabe02/entropie-doku.pptx
+++ b/Blatt03/Aufgabe02/entropie-doku.pptx
@@ -161,7 +161,6 @@
           </a:p>
         </c:rich>
       </c:tx>
-      <c:layout/>
       <c:overlay val="0"/>
     </c:title>
     <c:autoTitleDeleted val="0"/>
@@ -246,7 +245,7 @@
                   <c:v>3.15115311685889</c:v>
                 </c:pt>
                 <c:pt idx="5">
-                  <c:v>3.15845333053378</c:v>
+                  <c:v>3.158453330533779</c:v>
                 </c:pt>
                 <c:pt idx="6">
                   <c:v>3.16543333389963</c:v>
@@ -333,13 +332,13 @@
                   <c:v>6.64385618977472</c:v>
                 </c:pt>
                 <c:pt idx="3">
-                  <c:v>8.22881869049588</c:v>
+                  <c:v>8.228818690495876</c:v>
                 </c:pt>
                 <c:pt idx="4">
                   <c:v>8.64024493622234</c:v>
                 </c:pt>
                 <c:pt idx="5">
-                  <c:v>8.64385618977472</c:v>
+                  <c:v>8.643856189774718</c:v>
                 </c:pt>
                 <c:pt idx="6">
                   <c:v>9.96578428466208</c:v>
@@ -366,11 +365,11 @@
           <c:showBubbleSize val="0"/>
         </c:dLbls>
         <c:gapWidth val="150"/>
-        <c:axId val="-2100072264"/>
-        <c:axId val="-2102202520"/>
+        <c:axId val="2124971144"/>
+        <c:axId val="2124974136"/>
       </c:barChart>
       <c:catAx>
-        <c:axId val="-2100072264"/>
+        <c:axId val="2124971144"/>
         <c:scaling>
           <c:orientation val="minMax"/>
         </c:scaling>
@@ -379,7 +378,7 @@
         <c:majorTickMark val="none"/>
         <c:minorTickMark val="none"/>
         <c:tickLblPos val="nextTo"/>
-        <c:crossAx val="-2102202520"/>
+        <c:crossAx val="2124974136"/>
         <c:crosses val="autoZero"/>
         <c:auto val="1"/>
         <c:lblAlgn val="ctr"/>
@@ -387,7 +386,7 @@
         <c:noMultiLvlLbl val="0"/>
       </c:catAx>
       <c:valAx>
-        <c:axId val="-2102202520"/>
+        <c:axId val="2124974136"/>
         <c:scaling>
           <c:orientation val="minMax"/>
         </c:scaling>
@@ -398,14 +397,13 @@
         <c:majorTickMark val="none"/>
         <c:minorTickMark val="none"/>
         <c:tickLblPos val="nextTo"/>
-        <c:crossAx val="-2100072264"/>
+        <c:crossAx val="2124971144"/>
         <c:crosses val="autoZero"/>
         <c:crossBetween val="between"/>
       </c:valAx>
     </c:plotArea>
     <c:legend>
       <c:legendPos val="r"/>
-      <c:layout/>
       <c:overlay val="0"/>
     </c:legend>
     <c:plotVisOnly val="1"/>
@@ -471,7 +469,6 @@
           </a:p>
         </c:rich>
       </c:tx>
-      <c:layout/>
       <c:overlay val="0"/>
     </c:title>
     <c:autoTitleDeleted val="0"/>
@@ -544,7 +541,7 @@
                   <c:v>0.0</c:v>
                 </c:pt>
                 <c:pt idx="1">
-                  <c:v>6.46774045846345</c:v>
+                  <c:v>6.467740458463449</c:v>
                 </c:pt>
                 <c:pt idx="2">
                   <c:v>6.4163073147531</c:v>
@@ -643,13 +640,13 @@
                   <c:v>6.64385618977472</c:v>
                 </c:pt>
                 <c:pt idx="3">
-                  <c:v>8.22881869049588</c:v>
+                  <c:v>8.228818690495876</c:v>
                 </c:pt>
                 <c:pt idx="4">
                   <c:v>8.64024493622234</c:v>
                 </c:pt>
                 <c:pt idx="5">
-                  <c:v>8.64385618977472</c:v>
+                  <c:v>8.643856189774718</c:v>
                 </c:pt>
                 <c:pt idx="6">
                   <c:v>9.96578428466208</c:v>
@@ -676,11 +673,11 @@
           <c:showBubbleSize val="0"/>
         </c:dLbls>
         <c:gapWidth val="150"/>
-        <c:axId val="-2097596408"/>
-        <c:axId val="-2097707112"/>
+        <c:axId val="2125664312"/>
+        <c:axId val="2055853336"/>
       </c:barChart>
       <c:catAx>
-        <c:axId val="-2097596408"/>
+        <c:axId val="2125664312"/>
         <c:scaling>
           <c:orientation val="minMax"/>
         </c:scaling>
@@ -689,7 +686,7 @@
         <c:majorTickMark val="none"/>
         <c:minorTickMark val="none"/>
         <c:tickLblPos val="nextTo"/>
-        <c:crossAx val="-2097707112"/>
+        <c:crossAx val="2055853336"/>
         <c:crosses val="autoZero"/>
         <c:auto val="1"/>
         <c:lblAlgn val="ctr"/>
@@ -697,7 +694,7 @@
         <c:noMultiLvlLbl val="0"/>
       </c:catAx>
       <c:valAx>
-        <c:axId val="-2097707112"/>
+        <c:axId val="2055853336"/>
         <c:scaling>
           <c:orientation val="minMax"/>
         </c:scaling>
@@ -708,14 +705,13 @@
         <c:majorTickMark val="none"/>
         <c:minorTickMark val="none"/>
         <c:tickLblPos val="nextTo"/>
-        <c:crossAx val="-2097596408"/>
+        <c:crossAx val="2125664312"/>
         <c:crosses val="autoZero"/>
         <c:crossBetween val="between"/>
       </c:valAx>
     </c:plotArea>
     <c:legend>
       <c:legendPos val="r"/>
-      <c:layout/>
       <c:overlay val="0"/>
     </c:legend>
     <c:plotVisOnly val="1"/>
@@ -763,7 +759,6 @@
           </a:p>
         </c:rich>
       </c:tx>
-      <c:layout/>
       <c:overlay val="0"/>
     </c:title>
     <c:autoTitleDeleted val="0"/>
@@ -935,13 +930,13 @@
                   <c:v>6.64385618977472</c:v>
                 </c:pt>
                 <c:pt idx="3">
-                  <c:v>8.22881869049588</c:v>
+                  <c:v>8.228818690495876</c:v>
                 </c:pt>
                 <c:pt idx="4">
                   <c:v>8.64024493622234</c:v>
                 </c:pt>
                 <c:pt idx="5">
-                  <c:v>8.64385618977472</c:v>
+                  <c:v>8.643856189774718</c:v>
                 </c:pt>
                 <c:pt idx="6">
                   <c:v>9.96578428466208</c:v>
@@ -968,11 +963,11 @@
           <c:showBubbleSize val="0"/>
         </c:dLbls>
         <c:gapWidth val="150"/>
-        <c:axId val="-2094171512"/>
-        <c:axId val="-2095349800"/>
+        <c:axId val="2055892776"/>
+        <c:axId val="2055895752"/>
       </c:barChart>
       <c:catAx>
-        <c:axId val="-2094171512"/>
+        <c:axId val="2055892776"/>
         <c:scaling>
           <c:orientation val="minMax"/>
         </c:scaling>
@@ -981,7 +976,7 @@
         <c:majorTickMark val="none"/>
         <c:minorTickMark val="none"/>
         <c:tickLblPos val="nextTo"/>
-        <c:crossAx val="-2095349800"/>
+        <c:crossAx val="2055895752"/>
         <c:crosses val="autoZero"/>
         <c:auto val="1"/>
         <c:lblAlgn val="ctr"/>
@@ -989,7 +984,7 @@
         <c:noMultiLvlLbl val="0"/>
       </c:catAx>
       <c:valAx>
-        <c:axId val="-2095349800"/>
+        <c:axId val="2055895752"/>
         <c:scaling>
           <c:orientation val="minMax"/>
         </c:scaling>
@@ -1000,14 +995,13 @@
         <c:majorTickMark val="none"/>
         <c:minorTickMark val="none"/>
         <c:tickLblPos val="nextTo"/>
-        <c:crossAx val="-2094171512"/>
+        <c:crossAx val="2055892776"/>
         <c:crosses val="autoZero"/>
         <c:crossBetween val="between"/>
       </c:valAx>
     </c:plotArea>
     <c:legend>
       <c:legendPos val="r"/>
-      <c:layout/>
       <c:overlay val="0"/>
     </c:legend>
     <c:plotVisOnly val="1"/>
@@ -1073,7 +1067,6 @@
           </a:p>
         </c:rich>
       </c:tx>
-      <c:layout/>
       <c:overlay val="0"/>
     </c:title>
     <c:autoTitleDeleted val="0"/>
@@ -1146,7 +1139,7 @@
                   <c:v>0.0</c:v>
                 </c:pt>
                 <c:pt idx="1">
-                  <c:v>6.58895257967557</c:v>
+                  <c:v>6.588952579675569</c:v>
                 </c:pt>
                 <c:pt idx="2">
                   <c:v>6.60385618977473</c:v>
@@ -1245,13 +1238,13 @@
                   <c:v>6.64385618977472</c:v>
                 </c:pt>
                 <c:pt idx="3">
-                  <c:v>8.22881869049588</c:v>
+                  <c:v>8.228818690495876</c:v>
                 </c:pt>
                 <c:pt idx="4">
                   <c:v>8.64024493622234</c:v>
                 </c:pt>
                 <c:pt idx="5">
-                  <c:v>8.64385618977472</c:v>
+                  <c:v>8.643856189774718</c:v>
                 </c:pt>
                 <c:pt idx="6">
                   <c:v>9.96578428466208</c:v>
@@ -1278,11 +1271,11 @@
           <c:showBubbleSize val="0"/>
         </c:dLbls>
         <c:gapWidth val="150"/>
-        <c:axId val="-2097442968"/>
-        <c:axId val="-2097440024"/>
+        <c:axId val="2055924248"/>
+        <c:axId val="2055927224"/>
       </c:barChart>
       <c:catAx>
-        <c:axId val="-2097442968"/>
+        <c:axId val="2055924248"/>
         <c:scaling>
           <c:orientation val="minMax"/>
         </c:scaling>
@@ -1291,7 +1284,7 @@
         <c:majorTickMark val="none"/>
         <c:minorTickMark val="none"/>
         <c:tickLblPos val="nextTo"/>
-        <c:crossAx val="-2097440024"/>
+        <c:crossAx val="2055927224"/>
         <c:crosses val="autoZero"/>
         <c:auto val="1"/>
         <c:lblAlgn val="ctr"/>
@@ -1299,7 +1292,7 @@
         <c:noMultiLvlLbl val="0"/>
       </c:catAx>
       <c:valAx>
-        <c:axId val="-2097440024"/>
+        <c:axId val="2055927224"/>
         <c:scaling>
           <c:orientation val="minMax"/>
         </c:scaling>
@@ -1310,14 +1303,13 @@
         <c:majorTickMark val="none"/>
         <c:minorTickMark val="none"/>
         <c:tickLblPos val="nextTo"/>
-        <c:crossAx val="-2097442968"/>
+        <c:crossAx val="2055924248"/>
         <c:crosses val="autoZero"/>
         <c:crossBetween val="between"/>
       </c:valAx>
     </c:plotArea>
     <c:legend>
       <c:legendPos val="r"/>
-      <c:layout/>
       <c:overlay val="0"/>
     </c:legend>
     <c:plotVisOnly val="1"/>
@@ -1365,7 +1357,6 @@
           </a:p>
         </c:rich>
       </c:tx>
-      <c:layout/>
       <c:overlay val="0"/>
     </c:title>
     <c:autoTitleDeleted val="0"/>
@@ -1438,7 +1429,7 @@
                   <c:v>0.0</c:v>
                 </c:pt>
                 <c:pt idx="1">
-                  <c:v>6.609154599877589</c:v>
+                  <c:v>6.609154599877588</c:v>
                 </c:pt>
                 <c:pt idx="2">
                   <c:v>6.60385618977473</c:v>
@@ -1453,7 +1444,7 @@
                   <c:v>8.53319453350851</c:v>
                 </c:pt>
                 <c:pt idx="6">
-                  <c:v>9.71672563463607</c:v>
+                  <c:v>9.716725634636068</c:v>
                 </c:pt>
                 <c:pt idx="7">
                   <c:v>10.7660305745918</c:v>
@@ -1537,13 +1528,13 @@
                   <c:v>6.64385618977472</c:v>
                 </c:pt>
                 <c:pt idx="3">
-                  <c:v>8.22881869049588</c:v>
+                  <c:v>8.228818690495876</c:v>
                 </c:pt>
                 <c:pt idx="4">
                   <c:v>8.64024493622234</c:v>
                 </c:pt>
                 <c:pt idx="5">
-                  <c:v>8.64385618977472</c:v>
+                  <c:v>8.643856189774718</c:v>
                 </c:pt>
                 <c:pt idx="6">
                   <c:v>9.96578428466208</c:v>
@@ -1570,11 +1561,11 @@
           <c:showBubbleSize val="0"/>
         </c:dLbls>
         <c:gapWidth val="150"/>
-        <c:axId val="-2099710312"/>
-        <c:axId val="-2092135208"/>
+        <c:axId val="2125823368"/>
+        <c:axId val="2125826312"/>
       </c:barChart>
       <c:catAx>
-        <c:axId val="-2099710312"/>
+        <c:axId val="2125823368"/>
         <c:scaling>
           <c:orientation val="minMax"/>
         </c:scaling>
@@ -1583,7 +1574,7 @@
         <c:majorTickMark val="none"/>
         <c:minorTickMark val="none"/>
         <c:tickLblPos val="nextTo"/>
-        <c:crossAx val="-2092135208"/>
+        <c:crossAx val="2125826312"/>
         <c:crosses val="autoZero"/>
         <c:auto val="1"/>
         <c:lblAlgn val="ctr"/>
@@ -1591,7 +1582,7 @@
         <c:noMultiLvlLbl val="0"/>
       </c:catAx>
       <c:valAx>
-        <c:axId val="-2092135208"/>
+        <c:axId val="2125826312"/>
         <c:scaling>
           <c:orientation val="minMax"/>
         </c:scaling>
@@ -1602,14 +1593,13 @@
         <c:majorTickMark val="none"/>
         <c:minorTickMark val="none"/>
         <c:tickLblPos val="nextTo"/>
-        <c:crossAx val="-2099710312"/>
+        <c:crossAx val="2125823368"/>
         <c:crosses val="autoZero"/>
         <c:crossBetween val="between"/>
       </c:valAx>
     </c:plotArea>
     <c:legend>
       <c:legendPos val="r"/>
-      <c:layout/>
       <c:overlay val="0"/>
     </c:legend>
     <c:plotVisOnly val="1"/>
@@ -1657,7 +1647,6 @@
           </a:p>
         </c:rich>
       </c:tx>
-      <c:layout/>
       <c:overlay val="0"/>
     </c:title>
     <c:autoTitleDeleted val="0"/>
@@ -1829,13 +1818,13 @@
                   <c:v>6.64385618977472</c:v>
                 </c:pt>
                 <c:pt idx="3">
-                  <c:v>8.22881869049588</c:v>
+                  <c:v>8.228818690495876</c:v>
                 </c:pt>
                 <c:pt idx="4">
                   <c:v>8.64024493622234</c:v>
                 </c:pt>
                 <c:pt idx="5">
-                  <c:v>8.64385618977472</c:v>
+                  <c:v>8.643856189774718</c:v>
                 </c:pt>
                 <c:pt idx="6">
                   <c:v>9.96578428466208</c:v>
@@ -1862,11 +1851,11 @@
           <c:showBubbleSize val="0"/>
         </c:dLbls>
         <c:gapWidth val="150"/>
-        <c:axId val="-2091733720"/>
-        <c:axId val="-2091730744"/>
+        <c:axId val="2125865928"/>
+        <c:axId val="2125868904"/>
       </c:barChart>
       <c:catAx>
-        <c:axId val="-2091733720"/>
+        <c:axId val="2125865928"/>
         <c:scaling>
           <c:orientation val="minMax"/>
         </c:scaling>
@@ -1875,7 +1864,7 @@
         <c:majorTickMark val="none"/>
         <c:minorTickMark val="none"/>
         <c:tickLblPos val="nextTo"/>
-        <c:crossAx val="-2091730744"/>
+        <c:crossAx val="2125868904"/>
         <c:crosses val="autoZero"/>
         <c:auto val="1"/>
         <c:lblAlgn val="ctr"/>
@@ -1883,7 +1872,7 @@
         <c:noMultiLvlLbl val="0"/>
       </c:catAx>
       <c:valAx>
-        <c:axId val="-2091730744"/>
+        <c:axId val="2125868904"/>
         <c:scaling>
           <c:orientation val="minMax"/>
         </c:scaling>
@@ -1894,14 +1883,13 @@
         <c:majorTickMark val="none"/>
         <c:minorTickMark val="none"/>
         <c:tickLblPos val="nextTo"/>
-        <c:crossAx val="-2091733720"/>
+        <c:crossAx val="2125865928"/>
         <c:crosses val="autoZero"/>
         <c:crossBetween val="between"/>
       </c:valAx>
     </c:plotArea>
     <c:legend>
       <c:legendPos val="r"/>
-      <c:layout/>
       <c:overlay val="0"/>
     </c:legend>
     <c:plotVisOnly val="1"/>
@@ -1948,7 +1936,6 @@
           </a:p>
         </c:rich>
       </c:tx>
-      <c:layout/>
       <c:overlay val="0"/>
     </c:title>
     <c:autoTitleDeleted val="0"/>
@@ -2033,7 +2020,7 @@
                   <c:v>3.15115311685889</c:v>
                 </c:pt>
                 <c:pt idx="5">
-                  <c:v>3.15845333053378</c:v>
+                  <c:v>3.158453330533779</c:v>
                 </c:pt>
                 <c:pt idx="6">
                   <c:v>3.16543333389963</c:v>
@@ -2114,7 +2101,7 @@
                   <c:v>0.0</c:v>
                 </c:pt>
                 <c:pt idx="1">
-                  <c:v>6.46774045846345</c:v>
+                  <c:v>6.467740458463449</c:v>
                 </c:pt>
                 <c:pt idx="2">
                   <c:v>6.4163073147531</c:v>
@@ -2300,7 +2287,7 @@
                   <c:v>0.0</c:v>
                 </c:pt>
                 <c:pt idx="1">
-                  <c:v>6.58895257967557</c:v>
+                  <c:v>6.588952579675569</c:v>
                 </c:pt>
                 <c:pt idx="2">
                   <c:v>6.60385618977473</c:v>
@@ -2393,7 +2380,7 @@
                   <c:v>0.0</c:v>
                 </c:pt>
                 <c:pt idx="1">
-                  <c:v>6.609154599877589</c:v>
+                  <c:v>6.609154599877588</c:v>
                 </c:pt>
                 <c:pt idx="2">
                   <c:v>6.60385618977473</c:v>
@@ -2408,7 +2395,7 @@
                   <c:v>8.53319453350851</c:v>
                 </c:pt>
                 <c:pt idx="6">
-                  <c:v>9.71672563463607</c:v>
+                  <c:v>9.716725634636068</c:v>
                 </c:pt>
                 <c:pt idx="7">
                   <c:v>10.7660305745918</c:v>
@@ -2585,13 +2572,13 @@
                   <c:v>6.64385618977472</c:v>
                 </c:pt>
                 <c:pt idx="3">
-                  <c:v>8.22881869049588</c:v>
+                  <c:v>8.228818690495876</c:v>
                 </c:pt>
                 <c:pt idx="4">
                   <c:v>8.64024493622234</c:v>
                 </c:pt>
                 <c:pt idx="5">
-                  <c:v>8.64385618977472</c:v>
+                  <c:v>8.643856189774718</c:v>
                 </c:pt>
                 <c:pt idx="6">
                   <c:v>9.96578428466208</c:v>
@@ -2619,11 +2606,11 @@
         </c:dLbls>
         <c:gapWidth val="75"/>
         <c:overlap val="-25"/>
-        <c:axId val="-2096429112"/>
-        <c:axId val="-2101235624"/>
+        <c:axId val="2125257112"/>
+        <c:axId val="2125259992"/>
       </c:barChart>
       <c:catAx>
-        <c:axId val="-2096429112"/>
+        <c:axId val="2125257112"/>
         <c:scaling>
           <c:orientation val="minMax"/>
         </c:scaling>
@@ -2632,7 +2619,7 @@
         <c:majorTickMark val="none"/>
         <c:minorTickMark val="none"/>
         <c:tickLblPos val="nextTo"/>
-        <c:crossAx val="-2101235624"/>
+        <c:crossAx val="2125259992"/>
         <c:crosses val="autoZero"/>
         <c:auto val="1"/>
         <c:lblAlgn val="ctr"/>
@@ -2640,7 +2627,7 @@
         <c:noMultiLvlLbl val="0"/>
       </c:catAx>
       <c:valAx>
-        <c:axId val="-2101235624"/>
+        <c:axId val="2125259992"/>
         <c:scaling>
           <c:orientation val="minMax"/>
         </c:scaling>
@@ -2656,14 +2643,13 @@
             <a:noFill/>
           </a:ln>
         </c:spPr>
-        <c:crossAx val="-2096429112"/>
+        <c:crossAx val="2125257112"/>
         <c:crosses val="autoZero"/>
         <c:crossBetween val="between"/>
       </c:valAx>
     </c:plotArea>
     <c:legend>
       <c:legendPos val="b"/>
-      <c:layout/>
       <c:overlay val="0"/>
     </c:legend>
     <c:plotVisOnly val="1"/>
@@ -7271,8 +7257,26 @@
             </a:r>
             <a:r>
               <a:rPr lang="de-DE" dirty="0" smtClean="0"/>
-              <a:t>: „99 Bohnen auf Feld 1 und 99 leere Felder“ kann kürzer in einer Nachricht codiert werden als „1 Bohne auf 1 Feld für 100 Felder“</a:t>
-            </a:r>
+              <a:t>: „99 Bohnen auf Feld 1 und 99 leere Felder“ kann kürzer in einer Nachricht codiert werden als „1 Bohne auf 1 Feld für 100 Felder</a:t>
+            </a:r>
+            <a:r>
+              <a:rPr lang="de-DE" dirty="0" smtClean="0"/>
+              <a:t>“ (verschicke Anzahl Felder mit Bohne </a:t>
+            </a:r>
+            <a:r>
+              <a:rPr lang="de-DE" sz="2200" dirty="0" smtClean="0">
+                <a:latin typeface="Wingdings"/>
+                <a:ea typeface="Wingdings"/>
+                <a:cs typeface="Wingdings"/>
+                <a:sym typeface="Wingdings"/>
+              </a:rPr>
+              <a:t></a:t>
+            </a:r>
+            <a:r>
+              <a:rPr lang="de-DE" dirty="0" smtClean="0"/>
+              <a:t> 1 vs. 100)</a:t>
+            </a:r>
+            <a:endParaRPr lang="de-DE" dirty="0" smtClean="0"/>
           </a:p>
         </p:txBody>
       </p:sp>
